--- a/imersaopandas.pptx
+++ b/imersaopandas.pptx
@@ -58,6 +58,9 @@
     <p:sldId id="308" r:id="rId52"/>
     <p:sldId id="301" r:id="rId53"/>
     <p:sldId id="309" r:id="rId54"/>
+    <p:sldId id="310" r:id="rId55"/>
+    <p:sldId id="311" r:id="rId56"/>
+    <p:sldId id="312" r:id="rId57"/>
   </p:sldIdLst>
   <p:sldSz cx="12192000" cy="6858000"/>
   <p:notesSz cx="6858000" cy="9144000"/>
@@ -311,7 +314,7 @@
           <a:p>
             <a:fld id="{79E9524E-BCBC-4A5E-BD3A-16CF651F6BDF}" type="datetimeFigureOut">
               <a:rPr lang="pt-BR" smtClean="0"/>
-              <a:t>06/08/2024</a:t>
+              <a:t>07/08/2024</a:t>
             </a:fld>
             <a:endParaRPr lang="pt-BR"/>
           </a:p>
@@ -509,7 +512,7 @@
           <a:p>
             <a:fld id="{79E9524E-BCBC-4A5E-BD3A-16CF651F6BDF}" type="datetimeFigureOut">
               <a:rPr lang="pt-BR" smtClean="0"/>
-              <a:t>06/08/2024</a:t>
+              <a:t>07/08/2024</a:t>
             </a:fld>
             <a:endParaRPr lang="pt-BR"/>
           </a:p>
@@ -717,7 +720,7 @@
           <a:p>
             <a:fld id="{79E9524E-BCBC-4A5E-BD3A-16CF651F6BDF}" type="datetimeFigureOut">
               <a:rPr lang="pt-BR" smtClean="0"/>
-              <a:t>06/08/2024</a:t>
+              <a:t>07/08/2024</a:t>
             </a:fld>
             <a:endParaRPr lang="pt-BR"/>
           </a:p>
@@ -915,7 +918,7 @@
           <a:p>
             <a:fld id="{79E9524E-BCBC-4A5E-BD3A-16CF651F6BDF}" type="datetimeFigureOut">
               <a:rPr lang="pt-BR" smtClean="0"/>
-              <a:t>06/08/2024</a:t>
+              <a:t>07/08/2024</a:t>
             </a:fld>
             <a:endParaRPr lang="pt-BR"/>
           </a:p>
@@ -1190,7 +1193,7 @@
           <a:p>
             <a:fld id="{79E9524E-BCBC-4A5E-BD3A-16CF651F6BDF}" type="datetimeFigureOut">
               <a:rPr lang="pt-BR" smtClean="0"/>
-              <a:t>06/08/2024</a:t>
+              <a:t>07/08/2024</a:t>
             </a:fld>
             <a:endParaRPr lang="pt-BR"/>
           </a:p>
@@ -1455,7 +1458,7 @@
           <a:p>
             <a:fld id="{79E9524E-BCBC-4A5E-BD3A-16CF651F6BDF}" type="datetimeFigureOut">
               <a:rPr lang="pt-BR" smtClean="0"/>
-              <a:t>06/08/2024</a:t>
+              <a:t>07/08/2024</a:t>
             </a:fld>
             <a:endParaRPr lang="pt-BR"/>
           </a:p>
@@ -1867,7 +1870,7 @@
           <a:p>
             <a:fld id="{79E9524E-BCBC-4A5E-BD3A-16CF651F6BDF}" type="datetimeFigureOut">
               <a:rPr lang="pt-BR" smtClean="0"/>
-              <a:t>06/08/2024</a:t>
+              <a:t>07/08/2024</a:t>
             </a:fld>
             <a:endParaRPr lang="pt-BR"/>
           </a:p>
@@ -2008,7 +2011,7 @@
           <a:p>
             <a:fld id="{79E9524E-BCBC-4A5E-BD3A-16CF651F6BDF}" type="datetimeFigureOut">
               <a:rPr lang="pt-BR" smtClean="0"/>
-              <a:t>06/08/2024</a:t>
+              <a:t>07/08/2024</a:t>
             </a:fld>
             <a:endParaRPr lang="pt-BR"/>
           </a:p>
@@ -2121,7 +2124,7 @@
           <a:p>
             <a:fld id="{79E9524E-BCBC-4A5E-BD3A-16CF651F6BDF}" type="datetimeFigureOut">
               <a:rPr lang="pt-BR" smtClean="0"/>
-              <a:t>06/08/2024</a:t>
+              <a:t>07/08/2024</a:t>
             </a:fld>
             <a:endParaRPr lang="pt-BR"/>
           </a:p>
@@ -2432,7 +2435,7 @@
           <a:p>
             <a:fld id="{79E9524E-BCBC-4A5E-BD3A-16CF651F6BDF}" type="datetimeFigureOut">
               <a:rPr lang="pt-BR" smtClean="0"/>
-              <a:t>06/08/2024</a:t>
+              <a:t>07/08/2024</a:t>
             </a:fld>
             <a:endParaRPr lang="pt-BR"/>
           </a:p>
@@ -2720,7 +2723,7 @@
           <a:p>
             <a:fld id="{79E9524E-BCBC-4A5E-BD3A-16CF651F6BDF}" type="datetimeFigureOut">
               <a:rPr lang="pt-BR" smtClean="0"/>
-              <a:t>06/08/2024</a:t>
+              <a:t>07/08/2024</a:t>
             </a:fld>
             <a:endParaRPr lang="pt-BR"/>
           </a:p>
@@ -2961,7 +2964,7 @@
           <a:p>
             <a:fld id="{79E9524E-BCBC-4A5E-BD3A-16CF651F6BDF}" type="datetimeFigureOut">
               <a:rPr lang="pt-BR" smtClean="0"/>
-              <a:t>06/08/2024</a:t>
+              <a:t>07/08/2024</a:t>
             </a:fld>
             <a:endParaRPr lang="pt-BR"/>
           </a:p>
@@ -8617,6 +8620,673 @@
 </p:sld>
 </file>
 
+<file path=ppt/slides/slide54.xml><?xml version="1.0" encoding="utf-8"?>
+<p:sld xmlns:a="http://schemas.openxmlformats.org/drawingml/2006/main" xmlns:r="http://schemas.openxmlformats.org/officeDocument/2006/relationships" xmlns:p="http://schemas.openxmlformats.org/presentationml/2006/main">
+  <p:cSld>
+    <p:spTree>
+      <p:nvGrpSpPr>
+        <p:cNvPr id="1" name=""/>
+        <p:cNvGrpSpPr/>
+        <p:nvPr/>
+      </p:nvGrpSpPr>
+      <p:grpSpPr>
+        <a:xfrm>
+          <a:off x="0" y="0"/>
+          <a:ext cx="0" cy="0"/>
+          <a:chOff x="0" y="0"/>
+          <a:chExt cx="0" cy="0"/>
+        </a:xfrm>
+      </p:grpSpPr>
+      <p:graphicFrame>
+        <p:nvGraphicFramePr>
+          <p:cNvPr id="2" name="Tabela 1">
+            <a:extLst>
+              <a:ext uri="{FF2B5EF4-FFF2-40B4-BE49-F238E27FC236}">
+                <a16:creationId xmlns:a16="http://schemas.microsoft.com/office/drawing/2014/main" id="{0F2AED1A-FA4A-4E0C-9189-D101DDB70EBA}"/>
+              </a:ext>
+            </a:extLst>
+          </p:cNvPr>
+          <p:cNvGraphicFramePr>
+            <a:graphicFrameLocks noGrp="1"/>
+          </p:cNvGraphicFramePr>
+          <p:nvPr>
+            <p:extLst>
+              <p:ext uri="{D42A27DB-BD31-4B8C-83A1-F6EECF244321}">
+                <p14:modId xmlns:p14="http://schemas.microsoft.com/office/powerpoint/2010/main" val="3390253838"/>
+              </p:ext>
+            </p:extLst>
+          </p:nvPr>
+        </p:nvGraphicFramePr>
+        <p:xfrm>
+          <a:off x="1604161" y="1911461"/>
+          <a:ext cx="8244510" cy="370840"/>
+        </p:xfrm>
+        <a:graphic>
+          <a:graphicData uri="http://schemas.openxmlformats.org/drawingml/2006/table">
+            <a:tbl>
+              <a:tblPr firstRow="1" bandRow="1">
+                <a:tableStyleId>{5C22544A-7EE6-4342-B048-85BDC9FD1C3A}</a:tableStyleId>
+              </a:tblPr>
+              <a:tblGrid>
+                <a:gridCol w="824451">
+                  <a:extLst>
+                    <a:ext uri="{9D8B030D-6E8A-4147-A177-3AD203B41FA5}">
+                      <a16:colId xmlns:a16="http://schemas.microsoft.com/office/drawing/2014/main" val="3699911804"/>
+                    </a:ext>
+                  </a:extLst>
+                </a:gridCol>
+                <a:gridCol w="824451">
+                  <a:extLst>
+                    <a:ext uri="{9D8B030D-6E8A-4147-A177-3AD203B41FA5}">
+                      <a16:colId xmlns:a16="http://schemas.microsoft.com/office/drawing/2014/main" val="2975811344"/>
+                    </a:ext>
+                  </a:extLst>
+                </a:gridCol>
+                <a:gridCol w="824451">
+                  <a:extLst>
+                    <a:ext uri="{9D8B030D-6E8A-4147-A177-3AD203B41FA5}">
+                      <a16:colId xmlns:a16="http://schemas.microsoft.com/office/drawing/2014/main" val="2983542970"/>
+                    </a:ext>
+                  </a:extLst>
+                </a:gridCol>
+                <a:gridCol w="824451">
+                  <a:extLst>
+                    <a:ext uri="{9D8B030D-6E8A-4147-A177-3AD203B41FA5}">
+                      <a16:colId xmlns:a16="http://schemas.microsoft.com/office/drawing/2014/main" val="1747554308"/>
+                    </a:ext>
+                  </a:extLst>
+                </a:gridCol>
+                <a:gridCol w="824451">
+                  <a:extLst>
+                    <a:ext uri="{9D8B030D-6E8A-4147-A177-3AD203B41FA5}">
+                      <a16:colId xmlns:a16="http://schemas.microsoft.com/office/drawing/2014/main" val="580542888"/>
+                    </a:ext>
+                  </a:extLst>
+                </a:gridCol>
+                <a:gridCol w="824451">
+                  <a:extLst>
+                    <a:ext uri="{9D8B030D-6E8A-4147-A177-3AD203B41FA5}">
+                      <a16:colId xmlns:a16="http://schemas.microsoft.com/office/drawing/2014/main" val="3973535518"/>
+                    </a:ext>
+                  </a:extLst>
+                </a:gridCol>
+                <a:gridCol w="824451">
+                  <a:extLst>
+                    <a:ext uri="{9D8B030D-6E8A-4147-A177-3AD203B41FA5}">
+                      <a16:colId xmlns:a16="http://schemas.microsoft.com/office/drawing/2014/main" val="1197852579"/>
+                    </a:ext>
+                  </a:extLst>
+                </a:gridCol>
+                <a:gridCol w="824451">
+                  <a:extLst>
+                    <a:ext uri="{9D8B030D-6E8A-4147-A177-3AD203B41FA5}">
+                      <a16:colId xmlns:a16="http://schemas.microsoft.com/office/drawing/2014/main" val="607866443"/>
+                    </a:ext>
+                  </a:extLst>
+                </a:gridCol>
+                <a:gridCol w="824451">
+                  <a:extLst>
+                    <a:ext uri="{9D8B030D-6E8A-4147-A177-3AD203B41FA5}">
+                      <a16:colId xmlns:a16="http://schemas.microsoft.com/office/drawing/2014/main" val="3775825912"/>
+                    </a:ext>
+                  </a:extLst>
+                </a:gridCol>
+                <a:gridCol w="824451">
+                  <a:extLst>
+                    <a:ext uri="{9D8B030D-6E8A-4147-A177-3AD203B41FA5}">
+                      <a16:colId xmlns:a16="http://schemas.microsoft.com/office/drawing/2014/main" val="2294661078"/>
+                    </a:ext>
+                  </a:extLst>
+                </a:gridCol>
+              </a:tblGrid>
+              <a:tr h="370840">
+                <a:tc>
+                  <a:txBody>
+                    <a:bodyPr/>
+                    <a:lstStyle/>
+                    <a:p>
+                      <a:r>
+                        <a:rPr lang="pt-BR" dirty="0"/>
+                        <a:t>0</a:t>
+                      </a:r>
+                    </a:p>
+                  </a:txBody>
+                  <a:tcPr/>
+                </a:tc>
+                <a:tc>
+                  <a:txBody>
+                    <a:bodyPr/>
+                    <a:lstStyle/>
+                    <a:p>
+                      <a:endParaRPr lang="pt-BR"/>
+                    </a:p>
+                  </a:txBody>
+                  <a:tcPr/>
+                </a:tc>
+                <a:tc>
+                  <a:txBody>
+                    <a:bodyPr/>
+                    <a:lstStyle/>
+                    <a:p>
+                      <a:endParaRPr lang="pt-BR"/>
+                    </a:p>
+                  </a:txBody>
+                  <a:tcPr/>
+                </a:tc>
+                <a:tc>
+                  <a:txBody>
+                    <a:bodyPr/>
+                    <a:lstStyle/>
+                    <a:p>
+                      <a:endParaRPr lang="pt-BR" dirty="0"/>
+                    </a:p>
+                  </a:txBody>
+                  <a:tcPr/>
+                </a:tc>
+                <a:tc>
+                  <a:txBody>
+                    <a:bodyPr/>
+                    <a:lstStyle/>
+                    <a:p>
+                      <a:endParaRPr lang="pt-BR"/>
+                    </a:p>
+                  </a:txBody>
+                  <a:tcPr/>
+                </a:tc>
+                <a:tc>
+                  <a:txBody>
+                    <a:bodyPr/>
+                    <a:lstStyle/>
+                    <a:p>
+                      <a:endParaRPr lang="pt-BR" dirty="0"/>
+                    </a:p>
+                  </a:txBody>
+                  <a:tcPr/>
+                </a:tc>
+                <a:tc>
+                  <a:txBody>
+                    <a:bodyPr/>
+                    <a:lstStyle/>
+                    <a:p>
+                      <a:endParaRPr lang="pt-BR"/>
+                    </a:p>
+                  </a:txBody>
+                  <a:tcPr/>
+                </a:tc>
+                <a:tc>
+                  <a:txBody>
+                    <a:bodyPr/>
+                    <a:lstStyle/>
+                    <a:p>
+                      <a:endParaRPr lang="pt-BR"/>
+                    </a:p>
+                  </a:txBody>
+                  <a:tcPr/>
+                </a:tc>
+                <a:tc>
+                  <a:txBody>
+                    <a:bodyPr/>
+                    <a:lstStyle/>
+                    <a:p>
+                      <a:endParaRPr lang="pt-BR"/>
+                    </a:p>
+                  </a:txBody>
+                  <a:tcPr/>
+                </a:tc>
+                <a:tc>
+                  <a:txBody>
+                    <a:bodyPr/>
+                    <a:lstStyle/>
+                    <a:p>
+                      <a:r>
+                        <a:rPr lang="pt-BR" dirty="0"/>
+                        <a:t>29</a:t>
+                      </a:r>
+                    </a:p>
+                  </a:txBody>
+                  <a:tcPr/>
+                </a:tc>
+                <a:extLst>
+                  <a:ext uri="{0D108BD9-81ED-4DB2-BD59-A6C34878D82A}">
+                    <a16:rowId xmlns:a16="http://schemas.microsoft.com/office/drawing/2014/main" val="3927586306"/>
+                  </a:ext>
+                </a:extLst>
+              </a:tr>
+            </a:tbl>
+          </a:graphicData>
+        </a:graphic>
+      </p:graphicFrame>
+      <p:sp>
+        <p:nvSpPr>
+          <p:cNvPr id="3" name="CaixaDeTexto 2">
+            <a:extLst>
+              <a:ext uri="{FF2B5EF4-FFF2-40B4-BE49-F238E27FC236}">
+                <a16:creationId xmlns:a16="http://schemas.microsoft.com/office/drawing/2014/main" id="{C49E8E8E-D70C-4817-9E44-0C969764B7D2}"/>
+              </a:ext>
+            </a:extLst>
+          </p:cNvPr>
+          <p:cNvSpPr txBox="1"/>
+          <p:nvPr/>
+        </p:nvSpPr>
+        <p:spPr>
+          <a:xfrm>
+            <a:off x="4399397" y="341801"/>
+            <a:ext cx="2385589" cy="1569660"/>
+          </a:xfrm>
+          <a:prstGeom prst="rect">
+            <a:avLst/>
+          </a:prstGeom>
+          <a:noFill/>
+        </p:spPr>
+        <p:txBody>
+          <a:bodyPr wrap="none" rtlCol="0">
+            <a:spAutoFit/>
+          </a:bodyPr>
+          <a:lstStyle/>
+          <a:p>
+            <a:r>
+              <a:rPr lang="pt-BR" sz="9600" dirty="0"/>
+              <a:t>0:30</a:t>
+            </a:r>
+          </a:p>
+        </p:txBody>
+      </p:sp>
+      <p:pic>
+        <p:nvPicPr>
+          <p:cNvPr id="4" name="Imagem 3">
+            <a:extLst>
+              <a:ext uri="{FF2B5EF4-FFF2-40B4-BE49-F238E27FC236}">
+                <a16:creationId xmlns:a16="http://schemas.microsoft.com/office/drawing/2014/main" id="{9F29FC26-7090-49EC-A2B3-E941ADEE4DC6}"/>
+              </a:ext>
+            </a:extLst>
+          </p:cNvPr>
+          <p:cNvPicPr>
+            <a:picLocks noChangeAspect="1"/>
+          </p:cNvPicPr>
+          <p:nvPr/>
+        </p:nvPicPr>
+        <p:blipFill>
+          <a:blip r:embed="rId2"/>
+          <a:stretch>
+            <a:fillRect/>
+          </a:stretch>
+        </p:blipFill>
+        <p:spPr>
+          <a:xfrm>
+            <a:off x="2753904" y="2481044"/>
+            <a:ext cx="6315075" cy="3590925"/>
+          </a:xfrm>
+          <a:prstGeom prst="rect">
+            <a:avLst/>
+          </a:prstGeom>
+        </p:spPr>
+      </p:pic>
+    </p:spTree>
+    <p:extLst>
+      <p:ext uri="{BB962C8B-B14F-4D97-AF65-F5344CB8AC3E}">
+        <p14:creationId xmlns:p14="http://schemas.microsoft.com/office/powerpoint/2010/main" val="3467731664"/>
+      </p:ext>
+    </p:extLst>
+  </p:cSld>
+  <p:clrMapOvr>
+    <a:masterClrMapping/>
+  </p:clrMapOvr>
+</p:sld>
+</file>
+
+<file path=ppt/slides/slide55.xml><?xml version="1.0" encoding="utf-8"?>
+<p:sld xmlns:a="http://schemas.openxmlformats.org/drawingml/2006/main" xmlns:r="http://schemas.openxmlformats.org/officeDocument/2006/relationships" xmlns:p="http://schemas.openxmlformats.org/presentationml/2006/main">
+  <p:cSld>
+    <p:spTree>
+      <p:nvGrpSpPr>
+        <p:cNvPr id="1" name=""/>
+        <p:cNvGrpSpPr/>
+        <p:nvPr/>
+      </p:nvGrpSpPr>
+      <p:grpSpPr>
+        <a:xfrm>
+          <a:off x="0" y="0"/>
+          <a:ext cx="0" cy="0"/>
+          <a:chOff x="0" y="0"/>
+          <a:chExt cx="0" cy="0"/>
+        </a:xfrm>
+      </p:grpSpPr>
+      <p:pic>
+        <p:nvPicPr>
+          <p:cNvPr id="2" name="Imagem 1">
+            <a:extLst>
+              <a:ext uri="{FF2B5EF4-FFF2-40B4-BE49-F238E27FC236}">
+                <a16:creationId xmlns:a16="http://schemas.microsoft.com/office/drawing/2014/main" id="{DB25B47C-BD28-4506-B294-D244C8840C1E}"/>
+              </a:ext>
+            </a:extLst>
+          </p:cNvPr>
+          <p:cNvPicPr>
+            <a:picLocks noChangeAspect="1"/>
+          </p:cNvPicPr>
+          <p:nvPr/>
+        </p:nvPicPr>
+        <p:blipFill>
+          <a:blip r:embed="rId2"/>
+          <a:stretch>
+            <a:fillRect/>
+          </a:stretch>
+        </p:blipFill>
+        <p:spPr>
+          <a:xfrm>
+            <a:off x="76930" y="1470785"/>
+            <a:ext cx="4925014" cy="2256638"/>
+          </a:xfrm>
+          <a:prstGeom prst="rect">
+            <a:avLst/>
+          </a:prstGeom>
+        </p:spPr>
+      </p:pic>
+      <p:sp>
+        <p:nvSpPr>
+          <p:cNvPr id="3" name="CaixaDeTexto 2">
+            <a:extLst>
+              <a:ext uri="{FF2B5EF4-FFF2-40B4-BE49-F238E27FC236}">
+                <a16:creationId xmlns:a16="http://schemas.microsoft.com/office/drawing/2014/main" id="{3D1D41F0-9169-47D6-BE03-C16694CDD0B7}"/>
+              </a:ext>
+            </a:extLst>
+          </p:cNvPr>
+          <p:cNvSpPr txBox="1"/>
+          <p:nvPr/>
+        </p:nvSpPr>
+        <p:spPr>
+          <a:xfrm>
+            <a:off x="3590488" y="0"/>
+            <a:ext cx="3765774" cy="1569660"/>
+          </a:xfrm>
+          <a:prstGeom prst="rect">
+            <a:avLst/>
+          </a:prstGeom>
+          <a:noFill/>
+        </p:spPr>
+        <p:txBody>
+          <a:bodyPr wrap="none" rtlCol="0">
+            <a:spAutoFit/>
+          </a:bodyPr>
+          <a:lstStyle/>
+          <a:p>
+            <a:r>
+              <a:rPr lang="pt-BR" sz="9600" dirty="0"/>
+              <a:t>[25:29]</a:t>
+            </a:r>
+          </a:p>
+        </p:txBody>
+      </p:sp>
+      <p:pic>
+        <p:nvPicPr>
+          <p:cNvPr id="4" name="Imagem 3">
+            <a:extLst>
+              <a:ext uri="{FF2B5EF4-FFF2-40B4-BE49-F238E27FC236}">
+                <a16:creationId xmlns:a16="http://schemas.microsoft.com/office/drawing/2014/main" id="{E09C09E9-55E9-415B-A515-60BDD6C132A3}"/>
+              </a:ext>
+            </a:extLst>
+          </p:cNvPr>
+          <p:cNvPicPr>
+            <a:picLocks noChangeAspect="1"/>
+          </p:cNvPicPr>
+          <p:nvPr/>
+        </p:nvPicPr>
+        <p:blipFill>
+          <a:blip r:embed="rId3"/>
+          <a:stretch>
+            <a:fillRect/>
+          </a:stretch>
+        </p:blipFill>
+        <p:spPr>
+          <a:xfrm>
+            <a:off x="5261206" y="1406971"/>
+            <a:ext cx="6508591" cy="3172831"/>
+          </a:xfrm>
+          <a:prstGeom prst="rect">
+            <a:avLst/>
+          </a:prstGeom>
+        </p:spPr>
+      </p:pic>
+      <p:pic>
+        <p:nvPicPr>
+          <p:cNvPr id="5" name="Imagem 4">
+            <a:extLst>
+              <a:ext uri="{FF2B5EF4-FFF2-40B4-BE49-F238E27FC236}">
+                <a16:creationId xmlns:a16="http://schemas.microsoft.com/office/drawing/2014/main" id="{605657E6-21E4-4DF2-A58E-E40108F66D74}"/>
+              </a:ext>
+            </a:extLst>
+          </p:cNvPr>
+          <p:cNvPicPr>
+            <a:picLocks noChangeAspect="1"/>
+          </p:cNvPicPr>
+          <p:nvPr/>
+        </p:nvPicPr>
+        <p:blipFill>
+          <a:blip r:embed="rId4"/>
+          <a:stretch>
+            <a:fillRect/>
+          </a:stretch>
+        </p:blipFill>
+        <p:spPr>
+          <a:xfrm>
+            <a:off x="2539437" y="3192055"/>
+            <a:ext cx="7143750" cy="3762375"/>
+          </a:xfrm>
+          <a:prstGeom prst="rect">
+            <a:avLst/>
+          </a:prstGeom>
+        </p:spPr>
+      </p:pic>
+      <p:sp>
+        <p:nvSpPr>
+          <p:cNvPr id="6" name="Retângulo 5">
+            <a:extLst>
+              <a:ext uri="{FF2B5EF4-FFF2-40B4-BE49-F238E27FC236}">
+                <a16:creationId xmlns:a16="http://schemas.microsoft.com/office/drawing/2014/main" id="{E8C7572A-0FB0-4E21-A6BF-735DD750575E}"/>
+              </a:ext>
+            </a:extLst>
+          </p:cNvPr>
+          <p:cNvSpPr/>
+          <p:nvPr/>
+        </p:nvSpPr>
+        <p:spPr>
+          <a:xfrm>
+            <a:off x="7366943" y="327630"/>
+            <a:ext cx="3615655" cy="914400"/>
+          </a:xfrm>
+          <a:prstGeom prst="rect">
+            <a:avLst/>
+          </a:prstGeom>
+          <a:gradFill flip="none" rotWithShape="1">
+            <a:gsLst>
+              <a:gs pos="0">
+                <a:schemeClr val="dk1">
+                  <a:lumMod val="67000"/>
+                </a:schemeClr>
+              </a:gs>
+              <a:gs pos="48000">
+                <a:schemeClr val="dk1">
+                  <a:lumMod val="97000"/>
+                  <a:lumOff val="3000"/>
+                </a:schemeClr>
+              </a:gs>
+              <a:gs pos="100000">
+                <a:schemeClr val="dk1">
+                  <a:lumMod val="60000"/>
+                  <a:lumOff val="40000"/>
+                </a:schemeClr>
+              </a:gs>
+            </a:gsLst>
+            <a:lin ang="16200000" scaled="1"/>
+            <a:tileRect/>
+          </a:gradFill>
+          <a:ln>
+            <a:noFill/>
+          </a:ln>
+        </p:spPr>
+        <p:style>
+          <a:lnRef idx="0">
+            <a:scrgbClr r="0" g="0" b="0"/>
+          </a:lnRef>
+          <a:fillRef idx="0">
+            <a:scrgbClr r="0" g="0" b="0"/>
+          </a:fillRef>
+          <a:effectRef idx="0">
+            <a:scrgbClr r="0" g="0" b="0"/>
+          </a:effectRef>
+          <a:fontRef idx="minor">
+            <a:schemeClr val="lt1"/>
+          </a:fontRef>
+        </p:style>
+        <p:txBody>
+          <a:bodyPr rtlCol="0" anchor="ctr"/>
+          <a:lstStyle/>
+          <a:p>
+            <a:pPr algn="ctr"/>
+            <a:r>
+              <a:rPr lang="pt-BR" dirty="0"/>
+              <a:t>Desconsidere o último índice.</a:t>
+            </a:r>
+          </a:p>
+        </p:txBody>
+      </p:sp>
+    </p:spTree>
+    <p:extLst>
+      <p:ext uri="{BB962C8B-B14F-4D97-AF65-F5344CB8AC3E}">
+        <p14:creationId xmlns:p14="http://schemas.microsoft.com/office/powerpoint/2010/main" val="4127555348"/>
+      </p:ext>
+    </p:extLst>
+  </p:cSld>
+  <p:clrMapOvr>
+    <a:masterClrMapping/>
+  </p:clrMapOvr>
+</p:sld>
+</file>
+
+<file path=ppt/slides/slide56.xml><?xml version="1.0" encoding="utf-8"?>
+<p:sld xmlns:a="http://schemas.openxmlformats.org/drawingml/2006/main" xmlns:r="http://schemas.openxmlformats.org/officeDocument/2006/relationships" xmlns:p="http://schemas.openxmlformats.org/presentationml/2006/main">
+  <p:cSld>
+    <p:spTree>
+      <p:nvGrpSpPr>
+        <p:cNvPr id="1" name=""/>
+        <p:cNvGrpSpPr/>
+        <p:nvPr/>
+      </p:nvGrpSpPr>
+      <p:grpSpPr>
+        <a:xfrm>
+          <a:off x="0" y="0"/>
+          <a:ext cx="0" cy="0"/>
+          <a:chOff x="0" y="0"/>
+          <a:chExt cx="0" cy="0"/>
+        </a:xfrm>
+      </p:grpSpPr>
+      <p:pic>
+        <p:nvPicPr>
+          <p:cNvPr id="2" name="Imagem 1">
+            <a:extLst>
+              <a:ext uri="{FF2B5EF4-FFF2-40B4-BE49-F238E27FC236}">
+                <a16:creationId xmlns:a16="http://schemas.microsoft.com/office/drawing/2014/main" id="{9703343F-78E5-44DC-A481-82E36585A1B2}"/>
+              </a:ext>
+            </a:extLst>
+          </p:cNvPr>
+          <p:cNvPicPr>
+            <a:picLocks noChangeAspect="1"/>
+          </p:cNvPicPr>
+          <p:nvPr/>
+        </p:nvPicPr>
+        <p:blipFill>
+          <a:blip r:embed="rId2"/>
+          <a:stretch>
+            <a:fillRect/>
+          </a:stretch>
+        </p:blipFill>
+        <p:spPr>
+          <a:xfrm>
+            <a:off x="66326" y="257175"/>
+            <a:ext cx="7562850" cy="6343650"/>
+          </a:xfrm>
+          <a:prstGeom prst="rect">
+            <a:avLst/>
+          </a:prstGeom>
+        </p:spPr>
+      </p:pic>
+      <p:pic>
+        <p:nvPicPr>
+          <p:cNvPr id="3" name="Imagem 2">
+            <a:extLst>
+              <a:ext uri="{FF2B5EF4-FFF2-40B4-BE49-F238E27FC236}">
+                <a16:creationId xmlns:a16="http://schemas.microsoft.com/office/drawing/2014/main" id="{65D9515F-0E62-45D6-9764-D26EA8D95DFA}"/>
+              </a:ext>
+            </a:extLst>
+          </p:cNvPr>
+          <p:cNvPicPr>
+            <a:picLocks noChangeAspect="1"/>
+          </p:cNvPicPr>
+          <p:nvPr/>
+        </p:nvPicPr>
+        <p:blipFill>
+          <a:blip r:embed="rId3"/>
+          <a:stretch>
+            <a:fillRect/>
+          </a:stretch>
+        </p:blipFill>
+        <p:spPr>
+          <a:xfrm>
+            <a:off x="7438019" y="901467"/>
+            <a:ext cx="4424014" cy="3634866"/>
+          </a:xfrm>
+          <a:prstGeom prst="rect">
+            <a:avLst/>
+          </a:prstGeom>
+        </p:spPr>
+      </p:pic>
+      <p:sp>
+        <p:nvSpPr>
+          <p:cNvPr id="4" name="CaixaDeTexto 3">
+            <a:extLst>
+              <a:ext uri="{FF2B5EF4-FFF2-40B4-BE49-F238E27FC236}">
+                <a16:creationId xmlns:a16="http://schemas.microsoft.com/office/drawing/2014/main" id="{E348FD33-374C-4E51-AB00-576F6609831C}"/>
+              </a:ext>
+            </a:extLst>
+          </p:cNvPr>
+          <p:cNvSpPr txBox="1"/>
+          <p:nvPr/>
+        </p:nvSpPr>
+        <p:spPr>
+          <a:xfrm>
+            <a:off x="9110444" y="2718900"/>
+            <a:ext cx="777777" cy="369332"/>
+          </a:xfrm>
+          <a:prstGeom prst="rect">
+            <a:avLst/>
+          </a:prstGeom>
+          <a:noFill/>
+        </p:spPr>
+        <p:txBody>
+          <a:bodyPr wrap="none" rtlCol="0">
+            <a:spAutoFit/>
+          </a:bodyPr>
+          <a:lstStyle/>
+          <a:p>
+            <a:r>
+              <a:rPr lang="pt-BR" dirty="0"/>
+              <a:t>INNER</a:t>
+            </a:r>
+          </a:p>
+        </p:txBody>
+      </p:sp>
+    </p:spTree>
+    <p:extLst>
+      <p:ext uri="{BB962C8B-B14F-4D97-AF65-F5344CB8AC3E}">
+        <p14:creationId xmlns:p14="http://schemas.microsoft.com/office/powerpoint/2010/main" val="3640869029"/>
+      </p:ext>
+    </p:extLst>
+  </p:cSld>
+  <p:clrMapOvr>
+    <a:masterClrMapping/>
+  </p:clrMapOvr>
+</p:sld>
+</file>
+
 <file path=ppt/slides/slide6.xml><?xml version="1.0" encoding="utf-8"?>
 <p:sld xmlns:a="http://schemas.openxmlformats.org/drawingml/2006/main" xmlns:r="http://schemas.openxmlformats.org/officeDocument/2006/relationships" xmlns:p="http://schemas.openxmlformats.org/presentationml/2006/main">
   <p:cSld>
